--- a/1조 HIS(U-Care) 폼보드.pptx
+++ b/1조 HIS(U-Care) 폼보드.pptx
@@ -109,6 +109,11 @@
       </a:defRPr>
     </a:lvl9pPr>
   </p:defaultTextStyle>
+  <p:extLst>
+    <p:ext uri="{EFAFB233-063F-42B5-8137-9DF3F51BA10A}">
+      <p15:sldGuideLst xmlns:p15="http://schemas.microsoft.com/office/powerpoint/2012/main"/>
+    </p:ext>
+  </p:extLst>
 </p:presentation>
 </file>
 
@@ -3897,7 +3902,7 @@
           </a:ln>
           <a:extLst>
             <a:ext uri="{C572A759-6A51-4108-AA02-DFA0A04FC94B}">
-              <ma14:wrappingTextBoxFlag xmlns:ma14="http://schemas.microsoft.com/office/mac/drawingml/2011/main" xmlns:a14="http://schemas.microsoft.com/office/drawing/2010/main" xmlns:m="http://schemas.openxmlformats.org/officeDocument/2006/math" xmlns="" val="1"/>
+              <ma14:wrappingTextBoxFlag xmlns="" xmlns:m="http://schemas.openxmlformats.org/officeDocument/2006/math" xmlns:a14="http://schemas.microsoft.com/office/drawing/2010/main" xmlns:ma14="http://schemas.microsoft.com/office/mac/drawingml/2011/main" val="1"/>
             </a:ext>
           </a:extLst>
         </p:spPr>
@@ -4288,9 +4293,9 @@
         <p:grpSpPr>
           <a:xfrm>
             <a:off x="3854253" y="370290"/>
-            <a:ext cx="2581160" cy="1903633"/>
+            <a:ext cx="2581160" cy="2080920"/>
             <a:chOff x="1647549" y="623672"/>
-            <a:chExt cx="2581160" cy="1903633"/>
+            <a:chExt cx="2581160" cy="2080920"/>
           </a:xfrm>
         </p:grpSpPr>
         <p:pic>
@@ -4315,7 +4320,7 @@
           </p:blipFill>
           <p:spPr>
             <a:xfrm>
-              <a:off x="2142613" y="1015551"/>
+              <a:off x="2142613" y="1211502"/>
               <a:ext cx="1440179" cy="446529"/>
             </a:xfrm>
             <a:prstGeom prst="rect">
@@ -4355,7 +4360,7 @@
           </p:blipFill>
           <p:spPr>
             <a:xfrm>
-              <a:off x="1647549" y="1605173"/>
+              <a:off x="1647549" y="1782460"/>
               <a:ext cx="922132" cy="922132"/>
             </a:xfrm>
             <a:prstGeom prst="rect">
@@ -4394,7 +4399,7 @@
           </p:blipFill>
           <p:spPr>
             <a:xfrm>
-              <a:off x="2862701" y="1788290"/>
+              <a:off x="2862701" y="2002899"/>
               <a:ext cx="1366008" cy="677410"/>
             </a:xfrm>
             <a:prstGeom prst="rect">
@@ -5601,8 +5606,8 @@
         </p:blipFill>
         <p:spPr bwMode="auto">
           <a:xfrm flipH="1">
-            <a:off x="6011176" y="5459970"/>
-            <a:ext cx="711914" cy="711914"/>
+            <a:off x="5983182" y="5497294"/>
+            <a:ext cx="641087" cy="563551"/>
           </a:xfrm>
           <a:prstGeom prst="rect">
             <a:avLst/>
@@ -5634,7 +5639,7 @@
         <p:spPr>
           <a:xfrm>
             <a:off x="5019484" y="5296525"/>
-            <a:ext cx="902515" cy="246221"/>
+            <a:ext cx="935276" cy="246221"/>
           </a:xfrm>
           <a:prstGeom prst="rect">
             <a:avLst/>
@@ -5648,10 +5653,14 @@
           <a:lstStyle/>
           <a:p>
             <a:r>
-              <a:rPr lang="en-US" altLang="ko-KR" sz="1000" b="1" dirty="0"/>
+              <a:rPr lang="en-US" altLang="ko-KR" sz="1000" b="1" dirty="0">
+                <a:latin typeface="HY견고딕" panose="02030600000101010101" pitchFamily="18" charset="-127"/>
+              </a:rPr>
               <a:t>Material UI</a:t>
             </a:r>
-            <a:endParaRPr lang="ko-KR" altLang="en-US" sz="1000" b="1" dirty="0"/>
+            <a:endParaRPr lang="ko-KR" altLang="en-US" sz="1000" b="1" dirty="0">
+              <a:latin typeface="HY견고딕" panose="02030600000101010101" pitchFamily="18" charset="-127"/>
+            </a:endParaRPr>
           </a:p>
         </p:txBody>
       </p:sp>
@@ -5669,7 +5678,7 @@
         </p:nvSpPr>
         <p:spPr>
           <a:xfrm>
-            <a:off x="5928649" y="5246680"/>
+            <a:off x="5872663" y="5293335"/>
             <a:ext cx="975047" cy="246221"/>
           </a:xfrm>
           <a:prstGeom prst="rect">
@@ -5684,10 +5693,16 @@
           <a:lstStyle/>
           <a:p>
             <a:r>
-              <a:rPr lang="en-US" altLang="ko-KR" sz="1000" b="1" dirty="0" err="1"/>
+              <a:rPr lang="en-US" altLang="ko-KR" sz="1000" b="1" dirty="0" err="1">
+                <a:latin typeface="HY견고딕" panose="02030600000101010101" pitchFamily="18" charset="-127"/>
+                <a:ea typeface="HY견고딕" panose="02030600000101010101" pitchFamily="18" charset="-127"/>
+              </a:rPr>
               <a:t>PrimeReact</a:t>
             </a:r>
-            <a:endParaRPr lang="en-US" altLang="ko-KR" sz="1000" b="1" dirty="0"/>
+            <a:endParaRPr lang="en-US" altLang="ko-KR" sz="1000" b="1" dirty="0">
+              <a:latin typeface="HY견고딕" panose="02030600000101010101" pitchFamily="18" charset="-127"/>
+              <a:ea typeface="HY견고딕" panose="02030600000101010101" pitchFamily="18" charset="-127"/>
+            </a:endParaRPr>
           </a:p>
         </p:txBody>
       </p:sp>
@@ -5723,10 +5738,10 @@
       </p:grpSpPr>
       <p:pic>
         <p:nvPicPr>
-          <p:cNvPr id="5" name="그림 4">
-            <a:extLst>
-              <a:ext uri="{FF2B5EF4-FFF2-40B4-BE49-F238E27FC236}">
-                <a16:creationId xmlns:a16="http://schemas.microsoft.com/office/drawing/2014/main" id="{DA2BAF17-E23E-416F-B9B7-3BEB36F88BA1}"/>
+          <p:cNvPr id="3" name="그림 2">
+            <a:extLst>
+              <a:ext uri="{FF2B5EF4-FFF2-40B4-BE49-F238E27FC236}">
+                <a16:creationId xmlns:a16="http://schemas.microsoft.com/office/drawing/2014/main" id="{50CB3BB1-8DB0-49FF-BF92-7BF380F7A103}"/>
               </a:ext>
             </a:extLst>
           </p:cNvPr>
@@ -5931,7 +5946,7 @@
                   <a:prstClr val="white"/>
                 </a:solidFill>
               </a:rPr>
-              <a:t>진료 서비스의 </a:t>
+              <a:t>의료 서비스의 </a:t>
             </a:r>
             <a:endParaRPr lang="en-US" altLang="ko-KR" sz="2300" b="1" dirty="0">
               <a:solidFill>
@@ -6357,7 +6372,7 @@
             </a:pPr>
             <a:r>
               <a:rPr lang="en-US" altLang="ko-KR" dirty="0"/>
-              <a:t>Restful </a:t>
+              <a:t>RESTful </a:t>
             </a:r>
             <a:r>
               <a:rPr lang="ko-KR" altLang="en-US" dirty="0"/>
